--- a/01_Unit/PowerPoints/02_PrintCommandsErrorsDebuggingComments.pptx
+++ b/01_Unit/PowerPoints/02_PrintCommandsErrorsDebuggingComments.pptx
@@ -1568,7 +1568,7 @@
           <a:p>
             <a:fld id="{CFBF6A78-FF6E-4F4E-9F0E-AE1D86D762B4}" type="datetimeFigureOut">
               <a:rPr lang="en-US" smtClean="0"/>
-              <a:t>7/28/2020</a:t>
+              <a:t>8/3/2020</a:t>
             </a:fld>
             <a:endParaRPr lang="en-US"/>
           </a:p>
@@ -5291,7 +5291,7 @@
           <a:p>
             <a:fld id="{E06F321F-839C-4363-9575-E42477F01E85}" type="datetimeFigureOut">
               <a:rPr lang="en-US" smtClean="0"/>
-              <a:t>7/28/2020</a:t>
+              <a:t>8/3/2020</a:t>
             </a:fld>
             <a:endParaRPr lang="en-US"/>
           </a:p>
@@ -5499,7 +5499,7 @@
           <a:p>
             <a:fld id="{E06F321F-839C-4363-9575-E42477F01E85}" type="datetimeFigureOut">
               <a:rPr lang="en-US" smtClean="0"/>
-              <a:t>7/28/2020</a:t>
+              <a:t>8/3/2020</a:t>
             </a:fld>
             <a:endParaRPr lang="en-US"/>
           </a:p>
@@ -5755,7 +5755,7 @@
           <a:p>
             <a:fld id="{E06F321F-839C-4363-9575-E42477F01E85}" type="datetimeFigureOut">
               <a:rPr lang="en-US" smtClean="0"/>
-              <a:t>7/28/2020</a:t>
+              <a:t>8/3/2020</a:t>
             </a:fld>
             <a:endParaRPr lang="en-US"/>
           </a:p>
@@ -5929,7 +5929,7 @@
           <a:p>
             <a:fld id="{E06F321F-839C-4363-9575-E42477F01E85}" type="datetimeFigureOut">
               <a:rPr lang="en-US" smtClean="0"/>
-              <a:t>7/28/2020</a:t>
+              <a:t>8/3/2020</a:t>
             </a:fld>
             <a:endParaRPr lang="en-US"/>
           </a:p>
@@ -6272,7 +6272,7 @@
           <a:p>
             <a:fld id="{E06F321F-839C-4363-9575-E42477F01E85}" type="datetimeFigureOut">
               <a:rPr lang="en-US" smtClean="0"/>
-              <a:t>7/28/2020</a:t>
+              <a:t>8/3/2020</a:t>
             </a:fld>
             <a:endParaRPr lang="en-US"/>
           </a:p>
@@ -6547,7 +6547,7 @@
           <a:p>
             <a:fld id="{E06F321F-839C-4363-9575-E42477F01E85}" type="datetimeFigureOut">
               <a:rPr lang="en-US" smtClean="0"/>
-              <a:t>7/28/2020</a:t>
+              <a:t>8/3/2020</a:t>
             </a:fld>
             <a:endParaRPr lang="en-US"/>
           </a:p>
@@ -6926,7 +6926,7 @@
           <a:p>
             <a:fld id="{E06F321F-839C-4363-9575-E42477F01E85}" type="datetimeFigureOut">
               <a:rPr lang="en-US" smtClean="0"/>
-              <a:t>7/28/2020</a:t>
+              <a:t>8/3/2020</a:t>
             </a:fld>
             <a:endParaRPr lang="en-US"/>
           </a:p>
@@ -7044,7 +7044,7 @@
           <a:p>
             <a:fld id="{E06F321F-839C-4363-9575-E42477F01E85}" type="datetimeFigureOut">
               <a:rPr lang="en-US" smtClean="0"/>
-              <a:t>7/28/2020</a:t>
+              <a:t>8/3/2020</a:t>
             </a:fld>
             <a:endParaRPr lang="en-US"/>
           </a:p>
@@ -7215,7 +7215,7 @@
           <a:p>
             <a:fld id="{E06F321F-839C-4363-9575-E42477F01E85}" type="datetimeFigureOut">
               <a:rPr lang="en-US" smtClean="0"/>
-              <a:t>7/28/2020</a:t>
+              <a:t>8/3/2020</a:t>
             </a:fld>
             <a:endParaRPr lang="en-US"/>
           </a:p>
@@ -7569,7 +7569,7 @@
           <a:p>
             <a:fld id="{E06F321F-839C-4363-9575-E42477F01E85}" type="datetimeFigureOut">
               <a:rPr lang="en-US" smtClean="0"/>
-              <a:t>7/28/2020</a:t>
+              <a:t>8/3/2020</a:t>
             </a:fld>
             <a:endParaRPr lang="en-US"/>
           </a:p>
@@ -7951,7 +7951,7 @@
           <a:p>
             <a:fld id="{E06F321F-839C-4363-9575-E42477F01E85}" type="datetimeFigureOut">
               <a:rPr lang="en-US" smtClean="0"/>
-              <a:t>7/28/2020</a:t>
+              <a:t>8/3/2020</a:t>
             </a:fld>
             <a:endParaRPr lang="en-US"/>
           </a:p>
@@ -8238,7 +8238,7 @@
           <a:p>
             <a:fld id="{E06F321F-839C-4363-9575-E42477F01E85}" type="datetimeFigureOut">
               <a:rPr lang="en-US" smtClean="0"/>
-              <a:t>7/28/2020</a:t>
+              <a:t>8/3/2020</a:t>
             </a:fld>
             <a:endParaRPr lang="en-US"/>
           </a:p>
@@ -9402,13 +9402,8 @@
             <a:pPr lvl="1"/>
             <a:r>
               <a:rPr lang="en-US" dirty="0"/>
-              <a:t>UIL Print Commands and </a:t>
-            </a:r>
-            <a:r>
-              <a:rPr lang="en-US" dirty="0" err="1"/>
-              <a:t>Printf</a:t>
-            </a:r>
-            <a:endParaRPr lang="en-US" dirty="0"/>
+              <a:t>See 01_Scaffolding</a:t>
+            </a:r>
           </a:p>
           <a:p>
             <a:r>
@@ -11440,28 +11435,25 @@
           <a:p>
             <a:pPr lvl="1"/>
             <a:r>
+              <a:rPr lang="en-US" dirty="0"/>
+              <a:t>See 01_Scaffolding</a:t>
+            </a:r>
+          </a:p>
+          <a:p>
+            <a:r>
+              <a:rPr lang="en-US" dirty="0"/>
+              <a:t>Leave some Feedback/Questions:</a:t>
+            </a:r>
+          </a:p>
+          <a:p>
+            <a:pPr lvl="1"/>
+            <a:r>
+              <a:rPr lang="en-US" dirty="0"/>
+              <a:t>Link: </a:t>
+            </a:r>
+            <a:r>
               <a:rPr lang="en-US" dirty="0">
                 <a:hlinkClick r:id="rId3"/>
-              </a:rPr>
-              <a:t>https://stackoverflow.com/questions/1367322/what-are-all-the-escape-characters</a:t>
-            </a:r>
-            <a:endParaRPr lang="en-US" dirty="0"/>
-          </a:p>
-          <a:p>
-            <a:r>
-              <a:rPr lang="en-US" dirty="0"/>
-              <a:t>Leave some Feedback/Questions:</a:t>
-            </a:r>
-          </a:p>
-          <a:p>
-            <a:pPr lvl="1"/>
-            <a:r>
-              <a:rPr lang="en-US" dirty="0"/>
-              <a:t>Link: </a:t>
-            </a:r>
-            <a:r>
-              <a:rPr lang="en-US" dirty="0">
-                <a:hlinkClick r:id="rId4"/>
               </a:rPr>
               <a:t>https://forms.gle/wRuj8Bzh3cTPFR4T6</a:t>
             </a:r>
@@ -11493,7 +11485,7 @@
           <p:nvPr/>
         </p:nvPicPr>
         <p:blipFill>
-          <a:blip r:embed="rId5"/>
+          <a:blip r:embed="rId4"/>
           <a:stretch>
             <a:fillRect/>
           </a:stretch>
@@ -12102,19 +12094,7 @@
           <a:p>
             <a:r>
               <a:rPr lang="en-US" dirty="0"/>
-              <a:t>Syntax Errors</a:t>
-            </a:r>
-          </a:p>
-          <a:p>
-            <a:r>
-              <a:rPr lang="en-US" dirty="0"/>
-              <a:t>Runtime Errors</a:t>
-            </a:r>
-          </a:p>
-          <a:p>
-            <a:r>
-              <a:rPr lang="en-US" dirty="0"/>
-              <a:t>Debugging</a:t>
+              <a:t>Errors and Debugging</a:t>
             </a:r>
           </a:p>
           <a:p>
@@ -13153,31 +13133,24 @@
             <a:pPr lvl="1"/>
             <a:r>
               <a:rPr lang="en-US" dirty="0"/>
-              <a:t>Grace Hopper Reading: </a:t>
+              <a:t>See 01_Scaffolding</a:t>
+            </a:r>
+          </a:p>
+          <a:p>
+            <a:r>
+              <a:rPr lang="en-US" dirty="0"/>
+              <a:t>Leave some Feedback/Questions:</a:t>
+            </a:r>
+          </a:p>
+          <a:p>
+            <a:pPr lvl="1"/>
+            <a:r>
+              <a:rPr lang="en-US" dirty="0"/>
+              <a:t>Link: </a:t>
             </a:r>
             <a:r>
               <a:rPr lang="en-US" dirty="0">
                 <a:hlinkClick r:id="rId3"/>
-              </a:rPr>
-              <a:t>https://en.wikipedia.org/wiki/Grace_Hopper</a:t>
-            </a:r>
-            <a:endParaRPr lang="en-US" dirty="0"/>
-          </a:p>
-          <a:p>
-            <a:r>
-              <a:rPr lang="en-US" dirty="0"/>
-              <a:t>Leave some Feedback/Questions:</a:t>
-            </a:r>
-          </a:p>
-          <a:p>
-            <a:pPr lvl="1"/>
-            <a:r>
-              <a:rPr lang="en-US" dirty="0"/>
-              <a:t>Link: </a:t>
-            </a:r>
-            <a:r>
-              <a:rPr lang="en-US" dirty="0">
-                <a:hlinkClick r:id="rId4"/>
               </a:rPr>
               <a:t>https://forms.gle/wRuj8Bzh3cTPFR4T6</a:t>
             </a:r>
@@ -13908,7 +13881,7 @@
                   <a:srgbClr val="00B050"/>
                 </a:solidFill>
               </a:rPr>
-              <a:t>    takes user’s name as input and greets them</a:t>
+              <a:t>  * takes user’s name as input and greets them</a:t>
             </a:r>
           </a:p>
           <a:p>
@@ -14270,7 +14243,7 @@
             <a:pPr lvl="1"/>
             <a:r>
               <a:rPr lang="en-US" dirty="0"/>
-              <a:t>None</a:t>
+              <a:t>See 01_Scaffolding</a:t>
             </a:r>
           </a:p>
           <a:p>
